--- a/DsDotNet/src/UnitTest/UnitTest.Engine/ImportPPT/T8_Safety.pptx
+++ b/DsDotNet/src/UnitTest/UnitTest.Engine/ImportPPT/T8_Safety.pptx
@@ -217,7 +217,7 @@
           <a:p>
             <a:fld id="{DD503887-5801-43A0-AEF9-041E8DDC2558}" type="datetimeFigureOut">
               <a:rPr lang="ko-KR" altLang="en-US" smtClean="0"/>
-              <a:t>2022-11-05</a:t>
+              <a:t>2022-12-07</a:t>
             </a:fld>
             <a:endParaRPr lang="ko-KR" altLang="en-US" dirty="0"/>
           </a:p>
@@ -394,7 +394,7 @@
           <a:p>
             <a:fld id="{95336A0E-57B1-4D4C-BD9B-2F72B5943464}" type="datetimeFigureOut">
               <a:rPr lang="ko-KR" altLang="en-US" smtClean="0"/>
-              <a:t>2022-11-05</a:t>
+              <a:t>2022-12-07</a:t>
             </a:fld>
             <a:endParaRPr lang="ko-KR" altLang="en-US" dirty="0"/>
           </a:p>
@@ -1080,7 +1080,7 @@
           <a:p>
             <a:fld id="{229D12C7-0FF5-4972-A033-474EFFC79F40}" type="datetime1">
               <a:rPr lang="ko-KR" altLang="en-US" smtClean="0"/>
-              <a:t>2022-11-05</a:t>
+              <a:t>2022-12-07</a:t>
             </a:fld>
             <a:endParaRPr lang="ko-KR" altLang="en-US" dirty="0"/>
           </a:p>
@@ -1278,7 +1278,7 @@
           <a:p>
             <a:fld id="{5BA19FD4-B052-4F56-8FD8-EAFD078DEFB0}" type="datetime1">
               <a:rPr lang="ko-KR" altLang="en-US" smtClean="0"/>
-              <a:t>2022-11-05</a:t>
+              <a:t>2022-12-07</a:t>
             </a:fld>
             <a:endParaRPr lang="ko-KR" altLang="en-US" dirty="0"/>
           </a:p>
@@ -1486,7 +1486,7 @@
           <a:p>
             <a:fld id="{024994B9-23A6-4B0A-A038-AC140E83DAA3}" type="datetime1">
               <a:rPr lang="ko-KR" altLang="en-US" smtClean="0"/>
-              <a:t>2022-11-05</a:t>
+              <a:t>2022-12-07</a:t>
             </a:fld>
             <a:endParaRPr lang="ko-KR" altLang="en-US" dirty="0"/>
           </a:p>
@@ -1684,7 +1684,7 @@
           <a:p>
             <a:fld id="{70D0DAB2-87CB-4028-B965-3AA710ADF2CB}" type="datetime1">
               <a:rPr lang="ko-KR" altLang="en-US" smtClean="0"/>
-              <a:t>2022-11-05</a:t>
+              <a:t>2022-12-07</a:t>
             </a:fld>
             <a:endParaRPr lang="ko-KR" altLang="en-US" dirty="0"/>
           </a:p>
@@ -1959,7 +1959,7 @@
           <a:p>
             <a:fld id="{63FA3D71-FEA8-477F-9D1E-EA860F411BC7}" type="datetime1">
               <a:rPr lang="ko-KR" altLang="en-US" smtClean="0"/>
-              <a:t>2022-11-05</a:t>
+              <a:t>2022-12-07</a:t>
             </a:fld>
             <a:endParaRPr lang="ko-KR" altLang="en-US" dirty="0"/>
           </a:p>
@@ -2224,7 +2224,7 @@
           <a:p>
             <a:fld id="{F58E3EF4-7980-4C97-BA64-EC66995BB574}" type="datetime1">
               <a:rPr lang="ko-KR" altLang="en-US" smtClean="0"/>
-              <a:t>2022-11-05</a:t>
+              <a:t>2022-12-07</a:t>
             </a:fld>
             <a:endParaRPr lang="ko-KR" altLang="en-US" dirty="0"/>
           </a:p>
@@ -2636,7 +2636,7 @@
           <a:p>
             <a:fld id="{FC9BC1D0-7D6B-4634-9D19-644040D74EAE}" type="datetime1">
               <a:rPr lang="ko-KR" altLang="en-US" smtClean="0"/>
-              <a:t>2022-11-05</a:t>
+              <a:t>2022-12-07</a:t>
             </a:fld>
             <a:endParaRPr lang="ko-KR" altLang="en-US" dirty="0"/>
           </a:p>
@@ -2778,7 +2778,7 @@
           <a:p>
             <a:fld id="{B5B1BBC2-B738-4C35-AEE5-660EB2DEB482}" type="datetime1">
               <a:rPr lang="ko-KR" altLang="en-US" smtClean="0"/>
-              <a:t>2022-11-05</a:t>
+              <a:t>2022-12-07</a:t>
             </a:fld>
             <a:endParaRPr lang="ko-KR" altLang="en-US" dirty="0"/>
           </a:p>
@@ -7360,7 +7360,7 @@
           <a:p>
             <a:fld id="{C60E9F93-7E77-4F36-B88C-A425F00C8D91}" type="datetime1">
               <a:rPr lang="ko-KR" altLang="en-US" smtClean="0"/>
-              <a:t>2022-11-05</a:t>
+              <a:t>2022-12-07</a:t>
             </a:fld>
             <a:endParaRPr lang="ko-KR" altLang="en-US" dirty="0"/>
           </a:p>
@@ -7671,7 +7671,7 @@
           <a:p>
             <a:fld id="{36BCCD0E-2A54-4016-BFFC-FEAABCDA6915}" type="datetime1">
               <a:rPr lang="ko-KR" altLang="en-US" smtClean="0"/>
-              <a:t>2022-11-05</a:t>
+              <a:t>2022-12-07</a:t>
             </a:fld>
             <a:endParaRPr lang="ko-KR" altLang="en-US" dirty="0"/>
           </a:p>
@@ -7959,7 +7959,7 @@
           <a:p>
             <a:fld id="{AAF69562-79F1-43EA-AE78-EAD8DB3AEC1A}" type="datetime1">
               <a:rPr lang="ko-KR" altLang="en-US" smtClean="0"/>
-              <a:t>2022-11-05</a:t>
+              <a:t>2022-12-07</a:t>
             </a:fld>
             <a:endParaRPr lang="ko-KR" altLang="en-US" dirty="0"/>
           </a:p>
@@ -8200,7 +8200,7 @@
           <a:p>
             <a:fld id="{C984B0C4-64BA-4E4C-B5E6-A51EE3F6ED95}" type="datetime1">
               <a:rPr lang="ko-KR" altLang="en-US" smtClean="0"/>
-              <a:t>2022-11-05</a:t>
+              <a:t>2022-12-07</a:t>
             </a:fld>
             <a:endParaRPr lang="ko-KR" altLang="en-US" dirty="0"/>
           </a:p>
@@ -9889,7 +9889,7 @@
 </file>
 
 <file path=ppt/slides/slide3.xml><?xml version="1.0" encoding="utf-8"?>
-<p:sld xmlns:a="http://schemas.openxmlformats.org/drawingml/2006/main" xmlns:r="http://schemas.openxmlformats.org/officeDocument/2006/relationships" xmlns:p="http://schemas.openxmlformats.org/presentationml/2006/main" show="0">
+<p:sld xmlns:a="http://schemas.openxmlformats.org/drawingml/2006/main" xmlns:r="http://schemas.openxmlformats.org/officeDocument/2006/relationships" xmlns:p="http://schemas.openxmlformats.org/presentationml/2006/main">
   <p:cSld>
     <p:spTree>
       <p:nvGrpSpPr>
@@ -9948,8 +9948,8 @@
         </p:nvSpPr>
         <p:spPr>
           <a:xfrm>
-            <a:off x="7267575" y="3434043"/>
-            <a:ext cx="2437946" cy="1223682"/>
+            <a:off x="8307966" y="3719930"/>
+            <a:ext cx="3027542" cy="1971038"/>
           </a:xfrm>
           <a:prstGeom prst="rect">
             <a:avLst/>
@@ -10001,8 +10001,8 @@
         </p:nvCxnSpPr>
         <p:spPr>
           <a:xfrm>
-            <a:off x="6572942" y="3757613"/>
-            <a:ext cx="694633" cy="288271"/>
+            <a:off x="7191881" y="4223653"/>
+            <a:ext cx="1116085" cy="481796"/>
           </a:xfrm>
           <a:prstGeom prst="straightConnector1">
             <a:avLst/>
@@ -10046,7 +10046,7 @@
         </p:nvGrpSpPr>
         <p:grpSpPr>
           <a:xfrm>
-            <a:off x="848416" y="1962150"/>
+            <a:off x="1467355" y="2428190"/>
             <a:ext cx="5724526" cy="3590925"/>
             <a:chOff x="848416" y="1962150"/>
             <a:chExt cx="5724526" cy="3590925"/>
@@ -10066,10 +10066,10 @@
           </p:nvGrpSpPr>
           <p:grpSpPr>
             <a:xfrm>
-              <a:off x="1405973" y="2441441"/>
-              <a:ext cx="4398682" cy="2770639"/>
-              <a:chOff x="1314450" y="2476500"/>
-              <a:chExt cx="4476751" cy="3303671"/>
+              <a:off x="1259923" y="2231892"/>
+              <a:ext cx="4544732" cy="2980188"/>
+              <a:chOff x="1165808" y="2226636"/>
+              <a:chExt cx="4625393" cy="3553535"/>
             </a:xfrm>
           </p:grpSpPr>
           <p:sp>
@@ -10086,8 +10086,8 @@
             </p:nvSpPr>
             <p:spPr>
               <a:xfrm>
-                <a:off x="1314450" y="2476500"/>
-                <a:ext cx="1733550" cy="952500"/>
+                <a:off x="1165808" y="2226636"/>
+                <a:ext cx="1733550" cy="952501"/>
               </a:xfrm>
               <a:prstGeom prst="ellipse">
                 <a:avLst/>
@@ -10123,7 +10123,7 @@
                 <a:pPr algn="ctr"/>
                 <a:r>
                   <a:rPr lang="en-US" altLang="ko-KR" dirty="0"/>
-                  <a:t>.Func1</a:t>
+                  <a:t>$Func1</a:t>
                 </a:r>
                 <a:endParaRPr lang="ko-KR" altLang="en-US" dirty="0"/>
               </a:p>
@@ -10173,14 +10173,14 @@
                 <a:pPr algn="ctr"/>
                 <a:r>
                   <a:rPr lang="en-US" altLang="ko-KR" sz="2000" dirty="0"/>
-                  <a:t>[SysB.Func1]</a:t>
+                  <a:t>[SysB$Func1]</a:t>
                 </a:r>
               </a:p>
               <a:p>
                 <a:pPr algn="ctr"/>
                 <a:r>
                   <a:rPr lang="en-US" altLang="ko-KR" sz="2000" dirty="0"/>
-                  <a:t>SysB.Func2</a:t>
+                  <a:t>SysB$Func2</a:t>
                 </a:r>
                 <a:endParaRPr lang="ko-KR" altLang="en-US" sz="2000" dirty="0"/>
               </a:p>
@@ -10198,14 +10198,14 @@
               <p:cNvCxnSpPr>
                 <a:cxnSpLocks/>
                 <a:stCxn id="11" idx="5"/>
-                <a:endCxn id="12" idx="1"/>
+                <a:endCxn id="12" idx="0"/>
               </p:cNvCxnSpPr>
               <p:nvPr/>
             </p:nvCxnSpPr>
             <p:spPr>
-              <a:xfrm rot="5400000">
-                <a:off x="2082206" y="3524813"/>
-                <a:ext cx="947225" cy="476620"/>
+              <a:xfrm rot="16200000" flipH="1">
+                <a:off x="2734782" y="2950349"/>
+                <a:ext cx="932279" cy="1110873"/>
               </a:xfrm>
               <a:prstGeom prst="bentConnector3">
                 <a:avLst/>
@@ -10374,7 +10374,7 @@
             <a:pPr algn="ctr"/>
             <a:r>
               <a:rPr lang="en-US" altLang="ko-KR" dirty="0"/>
-              <a:t>SystemA</a:t>
+              <a:t>LibrarySystem</a:t>
             </a:r>
           </a:p>
           <a:p>
@@ -10421,73 +10421,6 @@
               <a:t>safety Copy Test</a:t>
             </a:r>
             <a:endParaRPr lang="ko-KR" altLang="en-US" dirty="0"/>
-          </a:p>
-        </p:txBody>
-      </p:sp>
-      <p:sp>
-        <p:nvSpPr>
-          <p:cNvPr id="15" name="TextBox 14">
-            <a:extLst>
-              <a:ext uri="{FF2B5EF4-FFF2-40B4-BE49-F238E27FC236}">
-                <a16:creationId xmlns:a16="http://schemas.microsoft.com/office/drawing/2014/main" id="{2E050917-C8EA-EFF7-3423-77E6839694E6}"/>
-              </a:ext>
-            </a:extLst>
-          </p:cNvPr>
-          <p:cNvSpPr txBox="1"/>
-          <p:nvPr/>
-        </p:nvSpPr>
-        <p:spPr>
-          <a:xfrm>
-            <a:off x="7748169" y="5485031"/>
-            <a:ext cx="4201791" cy="1200329"/>
-          </a:xfrm>
-          <a:prstGeom prst="rect">
-            <a:avLst/>
-          </a:prstGeom>
-          <a:noFill/>
-        </p:spPr>
-        <p:txBody>
-          <a:bodyPr wrap="none" rtlCol="0">
-            <a:spAutoFit/>
-          </a:bodyPr>
-          <a:lstStyle/>
-          <a:p>
-            <a:r>
-              <a:rPr lang="en-US" altLang="ko-KR" sz="3600" dirty="0">
-                <a:solidFill>
-                  <a:srgbClr val="FF0000"/>
-                </a:solidFill>
-              </a:rPr>
-              <a:t>Call </a:t>
-            </a:r>
-            <a:r>
-              <a:rPr lang="ko-KR" altLang="en-US" sz="3600" dirty="0">
-                <a:solidFill>
-                  <a:srgbClr val="FF0000"/>
-                </a:solidFill>
-              </a:rPr>
-              <a:t>도 가능 해야함</a:t>
-            </a:r>
-            <a:endParaRPr lang="en-US" altLang="ko-KR" sz="3600" dirty="0">
-              <a:solidFill>
-                <a:srgbClr val="FF0000"/>
-              </a:solidFill>
-            </a:endParaRPr>
-          </a:p>
-          <a:p>
-            <a:r>
-              <a:rPr lang="ko-KR" altLang="en-US" sz="3600" dirty="0">
-                <a:solidFill>
-                  <a:srgbClr val="FF0000"/>
-                </a:solidFill>
-              </a:rPr>
-              <a:t>아직 개발 중</a:t>
-            </a:r>
-            <a:endParaRPr lang="en-US" altLang="ko-KR" sz="3600" dirty="0">
-              <a:solidFill>
-                <a:srgbClr val="FF0000"/>
-              </a:solidFill>
-            </a:endParaRPr>
           </a:p>
         </p:txBody>
       </p:sp>
